--- a/ppt 16-9/0530.岂可冷淡退后.pptx
+++ b/ppt 16-9/0530.岂可冷淡退后.pptx
@@ -5,7 +5,7 @@
     <p:sldMasterId id="2147483648" r:id="rId1"/>
   </p:sldMasterIdLst>
   <p:sldIdLst>
-    <p:sldId id="2269" r:id="rId2"/>
+    <p:sldId id="2270" r:id="rId2"/>
   </p:sldIdLst>
   <p:sldSz cx="12192000" cy="6858000"/>
   <p:notesSz cx="6858000" cy="9144000"/>
@@ -129,7 +129,7 @@
           <p:cNvPr id="2" name="标题 1">
             <a:extLst>
               <a:ext uri="{FF2B5EF4-FFF2-40B4-BE49-F238E27FC236}">
-                <a16:creationId xmlns:a16="http://schemas.microsoft.com/office/drawing/2014/main" id="{2832EA0A-E32F-8695-840D-7C71165B8D55}"/>
+                <a16:creationId xmlns:a16="http://schemas.microsoft.com/office/drawing/2014/main" id="{15237B53-F5CF-3F43-43F7-A9AC28F2068F}"/>
               </a:ext>
             </a:extLst>
           </p:cNvPr>
@@ -166,7 +166,7 @@
           <p:cNvPr id="3" name="副标题 2">
             <a:extLst>
               <a:ext uri="{FF2B5EF4-FFF2-40B4-BE49-F238E27FC236}">
-                <a16:creationId xmlns:a16="http://schemas.microsoft.com/office/drawing/2014/main" id="{5E5B415D-D938-B31A-2E25-B12220924692}"/>
+                <a16:creationId xmlns:a16="http://schemas.microsoft.com/office/drawing/2014/main" id="{FBAD4E58-B5BB-E546-2CFC-28C414EF14AB}"/>
               </a:ext>
             </a:extLst>
           </p:cNvPr>
@@ -236,7 +236,7 @@
           <p:cNvPr id="4" name="日期占位符 3">
             <a:extLst>
               <a:ext uri="{FF2B5EF4-FFF2-40B4-BE49-F238E27FC236}">
-                <a16:creationId xmlns:a16="http://schemas.microsoft.com/office/drawing/2014/main" id="{D107B48F-DE1E-34A8-BDD2-7F4E7FD198D9}"/>
+                <a16:creationId xmlns:a16="http://schemas.microsoft.com/office/drawing/2014/main" id="{7945DAC9-BAE4-2723-9506-0C81767FEECF}"/>
               </a:ext>
             </a:extLst>
           </p:cNvPr>
@@ -252,7 +252,7 @@
           <a:bodyPr/>
           <a:lstStyle/>
           <a:p>
-            <a:fld id="{F61FBF28-2124-4F67-AC8F-C043FEB54B39}" type="datetimeFigureOut">
+            <a:fld id="{F745070D-E1D2-489C-8B6C-73D45C178098}" type="datetimeFigureOut">
               <a:rPr lang="zh-CN" altLang="en-US" smtClean="0"/>
               <a:t>2024/3/10</a:t>
             </a:fld>
@@ -265,7 +265,7 @@
           <p:cNvPr id="5" name="页脚占位符 4">
             <a:extLst>
               <a:ext uri="{FF2B5EF4-FFF2-40B4-BE49-F238E27FC236}">
-                <a16:creationId xmlns:a16="http://schemas.microsoft.com/office/drawing/2014/main" id="{34B16422-40C2-9A47-1B6F-E1A64F69C28D}"/>
+                <a16:creationId xmlns:a16="http://schemas.microsoft.com/office/drawing/2014/main" id="{4E206350-BBF1-2D66-ECE7-BC452F52BD53}"/>
               </a:ext>
             </a:extLst>
           </p:cNvPr>
@@ -290,7 +290,7 @@
           <p:cNvPr id="6" name="灯片编号占位符 5">
             <a:extLst>
               <a:ext uri="{FF2B5EF4-FFF2-40B4-BE49-F238E27FC236}">
-                <a16:creationId xmlns:a16="http://schemas.microsoft.com/office/drawing/2014/main" id="{EA9108BE-310E-DD83-5706-F046285C0E62}"/>
+                <a16:creationId xmlns:a16="http://schemas.microsoft.com/office/drawing/2014/main" id="{AF3E775E-75D4-7581-69DA-B415EEA375EA}"/>
               </a:ext>
             </a:extLst>
           </p:cNvPr>
@@ -306,7 +306,7 @@
           <a:bodyPr/>
           <a:lstStyle/>
           <a:p>
-            <a:fld id="{AD977C6A-B82C-4257-8275-D9478493DED0}" type="slidenum">
+            <a:fld id="{9DC3257C-A2EC-489A-A14C-115E190283EE}" type="slidenum">
               <a:rPr lang="zh-CN" altLang="en-US" smtClean="0"/>
               <a:t>‹#›</a:t>
             </a:fld>
@@ -317,7 +317,7 @@
     </p:spTree>
     <p:extLst>
       <p:ext uri="{BB962C8B-B14F-4D97-AF65-F5344CB8AC3E}">
-        <p14:creationId xmlns:p14="http://schemas.microsoft.com/office/powerpoint/2010/main" val="3376320165"/>
+        <p14:creationId xmlns:p14="http://schemas.microsoft.com/office/powerpoint/2010/main" val="274473485"/>
       </p:ext>
     </p:extLst>
   </p:cSld>
@@ -349,7 +349,7 @@
           <p:cNvPr id="2" name="标题 1">
             <a:extLst>
               <a:ext uri="{FF2B5EF4-FFF2-40B4-BE49-F238E27FC236}">
-                <a16:creationId xmlns:a16="http://schemas.microsoft.com/office/drawing/2014/main" id="{7043557D-D629-9431-8EDF-D9546288BDC9}"/>
+                <a16:creationId xmlns:a16="http://schemas.microsoft.com/office/drawing/2014/main" id="{73F0BF76-0C0C-21ED-40BA-497E20F53273}"/>
               </a:ext>
             </a:extLst>
           </p:cNvPr>
@@ -377,7 +377,7 @@
           <p:cNvPr id="3" name="竖排文字占位符 2">
             <a:extLst>
               <a:ext uri="{FF2B5EF4-FFF2-40B4-BE49-F238E27FC236}">
-                <a16:creationId xmlns:a16="http://schemas.microsoft.com/office/drawing/2014/main" id="{5E26353A-B8ED-296F-E57D-4DAC1D15F459}"/>
+                <a16:creationId xmlns:a16="http://schemas.microsoft.com/office/drawing/2014/main" id="{521C8DBE-A04E-CE3E-1E94-712C9AF99478}"/>
               </a:ext>
             </a:extLst>
           </p:cNvPr>
@@ -434,7 +434,7 @@
           <p:cNvPr id="4" name="日期占位符 3">
             <a:extLst>
               <a:ext uri="{FF2B5EF4-FFF2-40B4-BE49-F238E27FC236}">
-                <a16:creationId xmlns:a16="http://schemas.microsoft.com/office/drawing/2014/main" id="{85215199-75DB-4708-AF52-E9D52FE22E28}"/>
+                <a16:creationId xmlns:a16="http://schemas.microsoft.com/office/drawing/2014/main" id="{07208E29-6F2C-2511-03A4-F3C96BAA8516}"/>
               </a:ext>
             </a:extLst>
           </p:cNvPr>
@@ -450,7 +450,7 @@
           <a:bodyPr/>
           <a:lstStyle/>
           <a:p>
-            <a:fld id="{F61FBF28-2124-4F67-AC8F-C043FEB54B39}" type="datetimeFigureOut">
+            <a:fld id="{F745070D-E1D2-489C-8B6C-73D45C178098}" type="datetimeFigureOut">
               <a:rPr lang="zh-CN" altLang="en-US" smtClean="0"/>
               <a:t>2024/3/10</a:t>
             </a:fld>
@@ -463,7 +463,7 @@
           <p:cNvPr id="5" name="页脚占位符 4">
             <a:extLst>
               <a:ext uri="{FF2B5EF4-FFF2-40B4-BE49-F238E27FC236}">
-                <a16:creationId xmlns:a16="http://schemas.microsoft.com/office/drawing/2014/main" id="{A819DD21-CEE3-18EA-E59F-39FFC4C3FBC3}"/>
+                <a16:creationId xmlns:a16="http://schemas.microsoft.com/office/drawing/2014/main" id="{02175B04-5234-501D-94EB-1C51D73BF253}"/>
               </a:ext>
             </a:extLst>
           </p:cNvPr>
@@ -488,7 +488,7 @@
           <p:cNvPr id="6" name="灯片编号占位符 5">
             <a:extLst>
               <a:ext uri="{FF2B5EF4-FFF2-40B4-BE49-F238E27FC236}">
-                <a16:creationId xmlns:a16="http://schemas.microsoft.com/office/drawing/2014/main" id="{6BB16758-21B4-B87C-7FD0-B9D747ACA855}"/>
+                <a16:creationId xmlns:a16="http://schemas.microsoft.com/office/drawing/2014/main" id="{01A08A5B-B39A-2A3C-99FF-266F8E21C745}"/>
               </a:ext>
             </a:extLst>
           </p:cNvPr>
@@ -504,7 +504,7 @@
           <a:bodyPr/>
           <a:lstStyle/>
           <a:p>
-            <a:fld id="{AD977C6A-B82C-4257-8275-D9478493DED0}" type="slidenum">
+            <a:fld id="{9DC3257C-A2EC-489A-A14C-115E190283EE}" type="slidenum">
               <a:rPr lang="zh-CN" altLang="en-US" smtClean="0"/>
               <a:t>‹#›</a:t>
             </a:fld>
@@ -515,7 +515,7 @@
     </p:spTree>
     <p:extLst>
       <p:ext uri="{BB962C8B-B14F-4D97-AF65-F5344CB8AC3E}">
-        <p14:creationId xmlns:p14="http://schemas.microsoft.com/office/powerpoint/2010/main" val="3526188128"/>
+        <p14:creationId xmlns:p14="http://schemas.microsoft.com/office/powerpoint/2010/main" val="4014262069"/>
       </p:ext>
     </p:extLst>
   </p:cSld>
@@ -547,7 +547,7 @@
           <p:cNvPr id="2" name="竖排标题 1">
             <a:extLst>
               <a:ext uri="{FF2B5EF4-FFF2-40B4-BE49-F238E27FC236}">
-                <a16:creationId xmlns:a16="http://schemas.microsoft.com/office/drawing/2014/main" id="{9BF3388B-3812-C6FB-90B2-CFE52747598E}"/>
+                <a16:creationId xmlns:a16="http://schemas.microsoft.com/office/drawing/2014/main" id="{F05EF07B-0467-432D-7179-80BB24A724EC}"/>
               </a:ext>
             </a:extLst>
           </p:cNvPr>
@@ -580,7 +580,7 @@
           <p:cNvPr id="3" name="竖排文字占位符 2">
             <a:extLst>
               <a:ext uri="{FF2B5EF4-FFF2-40B4-BE49-F238E27FC236}">
-                <a16:creationId xmlns:a16="http://schemas.microsoft.com/office/drawing/2014/main" id="{5F1AE46C-10CB-6A58-0DD8-AC8DB00FDF18}"/>
+                <a16:creationId xmlns:a16="http://schemas.microsoft.com/office/drawing/2014/main" id="{86B0E215-32D4-D1E4-D820-B215558B7153}"/>
               </a:ext>
             </a:extLst>
           </p:cNvPr>
@@ -642,7 +642,7 @@
           <p:cNvPr id="4" name="日期占位符 3">
             <a:extLst>
               <a:ext uri="{FF2B5EF4-FFF2-40B4-BE49-F238E27FC236}">
-                <a16:creationId xmlns:a16="http://schemas.microsoft.com/office/drawing/2014/main" id="{3AA3BAB2-8BE9-62EC-391F-514B412D8BF3}"/>
+                <a16:creationId xmlns:a16="http://schemas.microsoft.com/office/drawing/2014/main" id="{9B766EC0-5C95-B63A-75FC-2046AEE2F91D}"/>
               </a:ext>
             </a:extLst>
           </p:cNvPr>
@@ -658,7 +658,7 @@
           <a:bodyPr/>
           <a:lstStyle/>
           <a:p>
-            <a:fld id="{F61FBF28-2124-4F67-AC8F-C043FEB54B39}" type="datetimeFigureOut">
+            <a:fld id="{F745070D-E1D2-489C-8B6C-73D45C178098}" type="datetimeFigureOut">
               <a:rPr lang="zh-CN" altLang="en-US" smtClean="0"/>
               <a:t>2024/3/10</a:t>
             </a:fld>
@@ -671,7 +671,7 @@
           <p:cNvPr id="5" name="页脚占位符 4">
             <a:extLst>
               <a:ext uri="{FF2B5EF4-FFF2-40B4-BE49-F238E27FC236}">
-                <a16:creationId xmlns:a16="http://schemas.microsoft.com/office/drawing/2014/main" id="{CF2FEAB9-0108-2E17-C6BD-BDD22490915B}"/>
+                <a16:creationId xmlns:a16="http://schemas.microsoft.com/office/drawing/2014/main" id="{88462CF4-C3A2-BFB5-C751-B5B3B3B34AF7}"/>
               </a:ext>
             </a:extLst>
           </p:cNvPr>
@@ -696,7 +696,7 @@
           <p:cNvPr id="6" name="灯片编号占位符 5">
             <a:extLst>
               <a:ext uri="{FF2B5EF4-FFF2-40B4-BE49-F238E27FC236}">
-                <a16:creationId xmlns:a16="http://schemas.microsoft.com/office/drawing/2014/main" id="{6021E10E-0ED3-1C5C-20C2-669D1005462B}"/>
+                <a16:creationId xmlns:a16="http://schemas.microsoft.com/office/drawing/2014/main" id="{CC6C0295-F5F8-4986-6D08-6B2EE154DA1E}"/>
               </a:ext>
             </a:extLst>
           </p:cNvPr>
@@ -712,7 +712,7 @@
           <a:bodyPr/>
           <a:lstStyle/>
           <a:p>
-            <a:fld id="{AD977C6A-B82C-4257-8275-D9478493DED0}" type="slidenum">
+            <a:fld id="{9DC3257C-A2EC-489A-A14C-115E190283EE}" type="slidenum">
               <a:rPr lang="zh-CN" altLang="en-US" smtClean="0"/>
               <a:t>‹#›</a:t>
             </a:fld>
@@ -723,7 +723,7 @@
     </p:spTree>
     <p:extLst>
       <p:ext uri="{BB962C8B-B14F-4D97-AF65-F5344CB8AC3E}">
-        <p14:creationId xmlns:p14="http://schemas.microsoft.com/office/powerpoint/2010/main" val="962604905"/>
+        <p14:creationId xmlns:p14="http://schemas.microsoft.com/office/powerpoint/2010/main" val="64068507"/>
       </p:ext>
     </p:extLst>
   </p:cSld>
@@ -755,7 +755,7 @@
           <p:cNvPr id="2" name="标题 1">
             <a:extLst>
               <a:ext uri="{FF2B5EF4-FFF2-40B4-BE49-F238E27FC236}">
-                <a16:creationId xmlns:a16="http://schemas.microsoft.com/office/drawing/2014/main" id="{C814BE73-C368-1B42-22A8-9DF53A6263A8}"/>
+                <a16:creationId xmlns:a16="http://schemas.microsoft.com/office/drawing/2014/main" id="{3831A139-0A27-B6BA-EBA0-05F111264414}"/>
               </a:ext>
             </a:extLst>
           </p:cNvPr>
@@ -783,7 +783,7 @@
           <p:cNvPr id="3" name="内容占位符 2">
             <a:extLst>
               <a:ext uri="{FF2B5EF4-FFF2-40B4-BE49-F238E27FC236}">
-                <a16:creationId xmlns:a16="http://schemas.microsoft.com/office/drawing/2014/main" id="{2FA8E11E-C976-1A25-0046-0E15BF4AAF37}"/>
+                <a16:creationId xmlns:a16="http://schemas.microsoft.com/office/drawing/2014/main" id="{D6AA768F-1E4A-63C3-9464-C2C6ABB8A599}"/>
               </a:ext>
             </a:extLst>
           </p:cNvPr>
@@ -840,7 +840,7 @@
           <p:cNvPr id="4" name="日期占位符 3">
             <a:extLst>
               <a:ext uri="{FF2B5EF4-FFF2-40B4-BE49-F238E27FC236}">
-                <a16:creationId xmlns:a16="http://schemas.microsoft.com/office/drawing/2014/main" id="{F23708CB-BAAE-E7E9-9913-D94DB5A0D84C}"/>
+                <a16:creationId xmlns:a16="http://schemas.microsoft.com/office/drawing/2014/main" id="{2C6A2359-BE4B-1CD4-3690-8FBFB9760ADF}"/>
               </a:ext>
             </a:extLst>
           </p:cNvPr>
@@ -856,7 +856,7 @@
           <a:bodyPr/>
           <a:lstStyle/>
           <a:p>
-            <a:fld id="{F61FBF28-2124-4F67-AC8F-C043FEB54B39}" type="datetimeFigureOut">
+            <a:fld id="{F745070D-E1D2-489C-8B6C-73D45C178098}" type="datetimeFigureOut">
               <a:rPr lang="zh-CN" altLang="en-US" smtClean="0"/>
               <a:t>2024/3/10</a:t>
             </a:fld>
@@ -869,7 +869,7 @@
           <p:cNvPr id="5" name="页脚占位符 4">
             <a:extLst>
               <a:ext uri="{FF2B5EF4-FFF2-40B4-BE49-F238E27FC236}">
-                <a16:creationId xmlns:a16="http://schemas.microsoft.com/office/drawing/2014/main" id="{0508F53E-EF5D-9A52-EAF0-0A249CC73EB3}"/>
+                <a16:creationId xmlns:a16="http://schemas.microsoft.com/office/drawing/2014/main" id="{498FC2A5-2F27-8558-2034-FD6819AF930D}"/>
               </a:ext>
             </a:extLst>
           </p:cNvPr>
@@ -894,7 +894,7 @@
           <p:cNvPr id="6" name="灯片编号占位符 5">
             <a:extLst>
               <a:ext uri="{FF2B5EF4-FFF2-40B4-BE49-F238E27FC236}">
-                <a16:creationId xmlns:a16="http://schemas.microsoft.com/office/drawing/2014/main" id="{86841738-3B3C-C8B3-581A-0765BD2604BA}"/>
+                <a16:creationId xmlns:a16="http://schemas.microsoft.com/office/drawing/2014/main" id="{C516BBF1-9E85-8925-9EAF-43DB2C2F5C88}"/>
               </a:ext>
             </a:extLst>
           </p:cNvPr>
@@ -910,7 +910,7 @@
           <a:bodyPr/>
           <a:lstStyle/>
           <a:p>
-            <a:fld id="{AD977C6A-B82C-4257-8275-D9478493DED0}" type="slidenum">
+            <a:fld id="{9DC3257C-A2EC-489A-A14C-115E190283EE}" type="slidenum">
               <a:rPr lang="zh-CN" altLang="en-US" smtClean="0"/>
               <a:t>‹#›</a:t>
             </a:fld>
@@ -921,7 +921,7 @@
     </p:spTree>
     <p:extLst>
       <p:ext uri="{BB962C8B-B14F-4D97-AF65-F5344CB8AC3E}">
-        <p14:creationId xmlns:p14="http://schemas.microsoft.com/office/powerpoint/2010/main" val="3764990682"/>
+        <p14:creationId xmlns:p14="http://schemas.microsoft.com/office/powerpoint/2010/main" val="2250457429"/>
       </p:ext>
     </p:extLst>
   </p:cSld>
@@ -953,7 +953,7 @@
           <p:cNvPr id="2" name="标题 1">
             <a:extLst>
               <a:ext uri="{FF2B5EF4-FFF2-40B4-BE49-F238E27FC236}">
-                <a16:creationId xmlns:a16="http://schemas.microsoft.com/office/drawing/2014/main" id="{9778AB1D-7811-0363-0132-FA866DD57CC2}"/>
+                <a16:creationId xmlns:a16="http://schemas.microsoft.com/office/drawing/2014/main" id="{D9759D74-7561-1D4B-5627-7EAED7187EB7}"/>
               </a:ext>
             </a:extLst>
           </p:cNvPr>
@@ -990,7 +990,7 @@
           <p:cNvPr id="3" name="文本占位符 2">
             <a:extLst>
               <a:ext uri="{FF2B5EF4-FFF2-40B4-BE49-F238E27FC236}">
-                <a16:creationId xmlns:a16="http://schemas.microsoft.com/office/drawing/2014/main" id="{1B136570-82D6-33BE-DE51-150D060BD578}"/>
+                <a16:creationId xmlns:a16="http://schemas.microsoft.com/office/drawing/2014/main" id="{9342D6E0-146F-A321-886D-DB9326EC13D4}"/>
               </a:ext>
             </a:extLst>
           </p:cNvPr>
@@ -1115,7 +1115,7 @@
           <p:cNvPr id="4" name="日期占位符 3">
             <a:extLst>
               <a:ext uri="{FF2B5EF4-FFF2-40B4-BE49-F238E27FC236}">
-                <a16:creationId xmlns:a16="http://schemas.microsoft.com/office/drawing/2014/main" id="{7B4DFA34-A722-86B2-5AD0-508240B515F5}"/>
+                <a16:creationId xmlns:a16="http://schemas.microsoft.com/office/drawing/2014/main" id="{7323F3E0-17C0-EBD0-4230-086CB1F62F20}"/>
               </a:ext>
             </a:extLst>
           </p:cNvPr>
@@ -1131,7 +1131,7 @@
           <a:bodyPr/>
           <a:lstStyle/>
           <a:p>
-            <a:fld id="{F61FBF28-2124-4F67-AC8F-C043FEB54B39}" type="datetimeFigureOut">
+            <a:fld id="{F745070D-E1D2-489C-8B6C-73D45C178098}" type="datetimeFigureOut">
               <a:rPr lang="zh-CN" altLang="en-US" smtClean="0"/>
               <a:t>2024/3/10</a:t>
             </a:fld>
@@ -1144,7 +1144,7 @@
           <p:cNvPr id="5" name="页脚占位符 4">
             <a:extLst>
               <a:ext uri="{FF2B5EF4-FFF2-40B4-BE49-F238E27FC236}">
-                <a16:creationId xmlns:a16="http://schemas.microsoft.com/office/drawing/2014/main" id="{3606D937-D5D8-71ED-300D-AACB566895DD}"/>
+                <a16:creationId xmlns:a16="http://schemas.microsoft.com/office/drawing/2014/main" id="{17A7970C-F5E2-23E6-0F47-A470725C28C1}"/>
               </a:ext>
             </a:extLst>
           </p:cNvPr>
@@ -1169,7 +1169,7 @@
           <p:cNvPr id="6" name="灯片编号占位符 5">
             <a:extLst>
               <a:ext uri="{FF2B5EF4-FFF2-40B4-BE49-F238E27FC236}">
-                <a16:creationId xmlns:a16="http://schemas.microsoft.com/office/drawing/2014/main" id="{D07FE347-8552-C33C-7954-D0D740D8F123}"/>
+                <a16:creationId xmlns:a16="http://schemas.microsoft.com/office/drawing/2014/main" id="{D60B5317-24EA-532A-A86E-B32753E65F1A}"/>
               </a:ext>
             </a:extLst>
           </p:cNvPr>
@@ -1185,7 +1185,7 @@
           <a:bodyPr/>
           <a:lstStyle/>
           <a:p>
-            <a:fld id="{AD977C6A-B82C-4257-8275-D9478493DED0}" type="slidenum">
+            <a:fld id="{9DC3257C-A2EC-489A-A14C-115E190283EE}" type="slidenum">
               <a:rPr lang="zh-CN" altLang="en-US" smtClean="0"/>
               <a:t>‹#›</a:t>
             </a:fld>
@@ -1196,7 +1196,7 @@
     </p:spTree>
     <p:extLst>
       <p:ext uri="{BB962C8B-B14F-4D97-AF65-F5344CB8AC3E}">
-        <p14:creationId xmlns:p14="http://schemas.microsoft.com/office/powerpoint/2010/main" val="1674121564"/>
+        <p14:creationId xmlns:p14="http://schemas.microsoft.com/office/powerpoint/2010/main" val="2608198780"/>
       </p:ext>
     </p:extLst>
   </p:cSld>
@@ -1228,7 +1228,7 @@
           <p:cNvPr id="2" name="标题 1">
             <a:extLst>
               <a:ext uri="{FF2B5EF4-FFF2-40B4-BE49-F238E27FC236}">
-                <a16:creationId xmlns:a16="http://schemas.microsoft.com/office/drawing/2014/main" id="{255DF5D6-731C-EB42-346B-1E072548657F}"/>
+                <a16:creationId xmlns:a16="http://schemas.microsoft.com/office/drawing/2014/main" id="{9898597C-AB2C-8547-1CFE-D11D67F2F57F}"/>
               </a:ext>
             </a:extLst>
           </p:cNvPr>
@@ -1256,7 +1256,7 @@
           <p:cNvPr id="3" name="内容占位符 2">
             <a:extLst>
               <a:ext uri="{FF2B5EF4-FFF2-40B4-BE49-F238E27FC236}">
-                <a16:creationId xmlns:a16="http://schemas.microsoft.com/office/drawing/2014/main" id="{56663C6A-4863-B1A6-5788-1E46C3B924A8}"/>
+                <a16:creationId xmlns:a16="http://schemas.microsoft.com/office/drawing/2014/main" id="{E76AA892-BAEC-DD7D-F443-125701D81D64}"/>
               </a:ext>
             </a:extLst>
           </p:cNvPr>
@@ -1318,7 +1318,7 @@
           <p:cNvPr id="4" name="内容占位符 3">
             <a:extLst>
               <a:ext uri="{FF2B5EF4-FFF2-40B4-BE49-F238E27FC236}">
-                <a16:creationId xmlns:a16="http://schemas.microsoft.com/office/drawing/2014/main" id="{50A2194B-7B5C-1463-4D2E-64F2F57AE341}"/>
+                <a16:creationId xmlns:a16="http://schemas.microsoft.com/office/drawing/2014/main" id="{6CBEBF7B-E2B1-76C8-C5F0-FF83C75CF7B3}"/>
               </a:ext>
             </a:extLst>
           </p:cNvPr>
@@ -1380,7 +1380,7 @@
           <p:cNvPr id="5" name="日期占位符 4">
             <a:extLst>
               <a:ext uri="{FF2B5EF4-FFF2-40B4-BE49-F238E27FC236}">
-                <a16:creationId xmlns:a16="http://schemas.microsoft.com/office/drawing/2014/main" id="{DCE88133-8BB0-4A56-EF83-58722C6437E0}"/>
+                <a16:creationId xmlns:a16="http://schemas.microsoft.com/office/drawing/2014/main" id="{1703007D-913F-33D4-2172-47BD2B291446}"/>
               </a:ext>
             </a:extLst>
           </p:cNvPr>
@@ -1396,7 +1396,7 @@
           <a:bodyPr/>
           <a:lstStyle/>
           <a:p>
-            <a:fld id="{F61FBF28-2124-4F67-AC8F-C043FEB54B39}" type="datetimeFigureOut">
+            <a:fld id="{F745070D-E1D2-489C-8B6C-73D45C178098}" type="datetimeFigureOut">
               <a:rPr lang="zh-CN" altLang="en-US" smtClean="0"/>
               <a:t>2024/3/10</a:t>
             </a:fld>
@@ -1409,7 +1409,7 @@
           <p:cNvPr id="6" name="页脚占位符 5">
             <a:extLst>
               <a:ext uri="{FF2B5EF4-FFF2-40B4-BE49-F238E27FC236}">
-                <a16:creationId xmlns:a16="http://schemas.microsoft.com/office/drawing/2014/main" id="{95005C9F-463E-FDDD-527C-950D8A149F81}"/>
+                <a16:creationId xmlns:a16="http://schemas.microsoft.com/office/drawing/2014/main" id="{57CDE4AF-E18A-7A9E-A4D5-C6BECF1A4CFA}"/>
               </a:ext>
             </a:extLst>
           </p:cNvPr>
@@ -1434,7 +1434,7 @@
           <p:cNvPr id="7" name="灯片编号占位符 6">
             <a:extLst>
               <a:ext uri="{FF2B5EF4-FFF2-40B4-BE49-F238E27FC236}">
-                <a16:creationId xmlns:a16="http://schemas.microsoft.com/office/drawing/2014/main" id="{767B754F-299F-C01F-42FE-4A7D1EE9400A}"/>
+                <a16:creationId xmlns:a16="http://schemas.microsoft.com/office/drawing/2014/main" id="{3108B376-2BE4-DCCC-279E-F2F6F83577AC}"/>
               </a:ext>
             </a:extLst>
           </p:cNvPr>
@@ -1450,7 +1450,7 @@
           <a:bodyPr/>
           <a:lstStyle/>
           <a:p>
-            <a:fld id="{AD977C6A-B82C-4257-8275-D9478493DED0}" type="slidenum">
+            <a:fld id="{9DC3257C-A2EC-489A-A14C-115E190283EE}" type="slidenum">
               <a:rPr lang="zh-CN" altLang="en-US" smtClean="0"/>
               <a:t>‹#›</a:t>
             </a:fld>
@@ -1461,7 +1461,7 @@
     </p:spTree>
     <p:extLst>
       <p:ext uri="{BB962C8B-B14F-4D97-AF65-F5344CB8AC3E}">
-        <p14:creationId xmlns:p14="http://schemas.microsoft.com/office/powerpoint/2010/main" val="3981921520"/>
+        <p14:creationId xmlns:p14="http://schemas.microsoft.com/office/powerpoint/2010/main" val="1477324653"/>
       </p:ext>
     </p:extLst>
   </p:cSld>
@@ -1493,7 +1493,7 @@
           <p:cNvPr id="2" name="标题 1">
             <a:extLst>
               <a:ext uri="{FF2B5EF4-FFF2-40B4-BE49-F238E27FC236}">
-                <a16:creationId xmlns:a16="http://schemas.microsoft.com/office/drawing/2014/main" id="{667EE7EF-FA4E-F77C-A4D8-302C2C6CCDBC}"/>
+                <a16:creationId xmlns:a16="http://schemas.microsoft.com/office/drawing/2014/main" id="{CF443B45-32E6-A486-B418-84F4E25E3D6F}"/>
               </a:ext>
             </a:extLst>
           </p:cNvPr>
@@ -1526,7 +1526,7 @@
           <p:cNvPr id="3" name="文本占位符 2">
             <a:extLst>
               <a:ext uri="{FF2B5EF4-FFF2-40B4-BE49-F238E27FC236}">
-                <a16:creationId xmlns:a16="http://schemas.microsoft.com/office/drawing/2014/main" id="{FABE37E0-B775-C0D6-A306-820496D7774C}"/>
+                <a16:creationId xmlns:a16="http://schemas.microsoft.com/office/drawing/2014/main" id="{61B2E3BC-93AE-4DEE-7B48-7E790E12DB9D}"/>
               </a:ext>
             </a:extLst>
           </p:cNvPr>
@@ -1597,7 +1597,7 @@
           <p:cNvPr id="4" name="内容占位符 3">
             <a:extLst>
               <a:ext uri="{FF2B5EF4-FFF2-40B4-BE49-F238E27FC236}">
-                <a16:creationId xmlns:a16="http://schemas.microsoft.com/office/drawing/2014/main" id="{8B548D86-B591-84BE-F8EE-0E5CADC90C87}"/>
+                <a16:creationId xmlns:a16="http://schemas.microsoft.com/office/drawing/2014/main" id="{6CF92676-980C-2C92-C692-C1C7DE829A03}"/>
               </a:ext>
             </a:extLst>
           </p:cNvPr>
@@ -1659,7 +1659,7 @@
           <p:cNvPr id="5" name="文本占位符 4">
             <a:extLst>
               <a:ext uri="{FF2B5EF4-FFF2-40B4-BE49-F238E27FC236}">
-                <a16:creationId xmlns:a16="http://schemas.microsoft.com/office/drawing/2014/main" id="{8E590C42-045E-5E5A-5FD0-3AD2520894CC}"/>
+                <a16:creationId xmlns:a16="http://schemas.microsoft.com/office/drawing/2014/main" id="{E0B7E706-A252-1074-E09C-23F4916A9D1B}"/>
               </a:ext>
             </a:extLst>
           </p:cNvPr>
@@ -1730,7 +1730,7 @@
           <p:cNvPr id="6" name="内容占位符 5">
             <a:extLst>
               <a:ext uri="{FF2B5EF4-FFF2-40B4-BE49-F238E27FC236}">
-                <a16:creationId xmlns:a16="http://schemas.microsoft.com/office/drawing/2014/main" id="{D2179621-9FEF-5D86-6B91-FC662CA610EF}"/>
+                <a16:creationId xmlns:a16="http://schemas.microsoft.com/office/drawing/2014/main" id="{55EEA999-D1E9-3C43-1D0E-C0BF6ACA262D}"/>
               </a:ext>
             </a:extLst>
           </p:cNvPr>
@@ -1792,7 +1792,7 @@
           <p:cNvPr id="7" name="日期占位符 6">
             <a:extLst>
               <a:ext uri="{FF2B5EF4-FFF2-40B4-BE49-F238E27FC236}">
-                <a16:creationId xmlns:a16="http://schemas.microsoft.com/office/drawing/2014/main" id="{08F34D37-BCAB-9F85-5F6C-B8CB74AB3E28}"/>
+                <a16:creationId xmlns:a16="http://schemas.microsoft.com/office/drawing/2014/main" id="{F057FF1C-AF1E-80BD-AE7D-6F88B1BCC950}"/>
               </a:ext>
             </a:extLst>
           </p:cNvPr>
@@ -1808,7 +1808,7 @@
           <a:bodyPr/>
           <a:lstStyle/>
           <a:p>
-            <a:fld id="{F61FBF28-2124-4F67-AC8F-C043FEB54B39}" type="datetimeFigureOut">
+            <a:fld id="{F745070D-E1D2-489C-8B6C-73D45C178098}" type="datetimeFigureOut">
               <a:rPr lang="zh-CN" altLang="en-US" smtClean="0"/>
               <a:t>2024/3/10</a:t>
             </a:fld>
@@ -1821,7 +1821,7 @@
           <p:cNvPr id="8" name="页脚占位符 7">
             <a:extLst>
               <a:ext uri="{FF2B5EF4-FFF2-40B4-BE49-F238E27FC236}">
-                <a16:creationId xmlns:a16="http://schemas.microsoft.com/office/drawing/2014/main" id="{D8617C26-B20B-E94A-E31C-E950B812FA85}"/>
+                <a16:creationId xmlns:a16="http://schemas.microsoft.com/office/drawing/2014/main" id="{91A96119-5EA6-92AC-313E-16CFFC6E2E48}"/>
               </a:ext>
             </a:extLst>
           </p:cNvPr>
@@ -1846,7 +1846,7 @@
           <p:cNvPr id="9" name="灯片编号占位符 8">
             <a:extLst>
               <a:ext uri="{FF2B5EF4-FFF2-40B4-BE49-F238E27FC236}">
-                <a16:creationId xmlns:a16="http://schemas.microsoft.com/office/drawing/2014/main" id="{86310651-5DBD-8201-D6F1-47EE358114BD}"/>
+                <a16:creationId xmlns:a16="http://schemas.microsoft.com/office/drawing/2014/main" id="{8291182B-AE34-29AB-6164-04EEAB299C7E}"/>
               </a:ext>
             </a:extLst>
           </p:cNvPr>
@@ -1862,7 +1862,7 @@
           <a:bodyPr/>
           <a:lstStyle/>
           <a:p>
-            <a:fld id="{AD977C6A-B82C-4257-8275-D9478493DED0}" type="slidenum">
+            <a:fld id="{9DC3257C-A2EC-489A-A14C-115E190283EE}" type="slidenum">
               <a:rPr lang="zh-CN" altLang="en-US" smtClean="0"/>
               <a:t>‹#›</a:t>
             </a:fld>
@@ -1873,7 +1873,7 @@
     </p:spTree>
     <p:extLst>
       <p:ext uri="{BB962C8B-B14F-4D97-AF65-F5344CB8AC3E}">
-        <p14:creationId xmlns:p14="http://schemas.microsoft.com/office/powerpoint/2010/main" val="1064427555"/>
+        <p14:creationId xmlns:p14="http://schemas.microsoft.com/office/powerpoint/2010/main" val="2225547644"/>
       </p:ext>
     </p:extLst>
   </p:cSld>
@@ -1905,7 +1905,7 @@
           <p:cNvPr id="2" name="标题 1">
             <a:extLst>
               <a:ext uri="{FF2B5EF4-FFF2-40B4-BE49-F238E27FC236}">
-                <a16:creationId xmlns:a16="http://schemas.microsoft.com/office/drawing/2014/main" id="{FF92D628-CF73-AE6E-7E37-D66F13E7F931}"/>
+                <a16:creationId xmlns:a16="http://schemas.microsoft.com/office/drawing/2014/main" id="{CB0D578F-9DCB-6A87-8AEE-C4D8DD26672D}"/>
               </a:ext>
             </a:extLst>
           </p:cNvPr>
@@ -1933,7 +1933,7 @@
           <p:cNvPr id="3" name="日期占位符 2">
             <a:extLst>
               <a:ext uri="{FF2B5EF4-FFF2-40B4-BE49-F238E27FC236}">
-                <a16:creationId xmlns:a16="http://schemas.microsoft.com/office/drawing/2014/main" id="{093C5B22-CA55-4E9D-4531-03E42A39BCD3}"/>
+                <a16:creationId xmlns:a16="http://schemas.microsoft.com/office/drawing/2014/main" id="{55A9EBB1-7541-AD7E-9B38-840B99440E34}"/>
               </a:ext>
             </a:extLst>
           </p:cNvPr>
@@ -1949,7 +1949,7 @@
           <a:bodyPr/>
           <a:lstStyle/>
           <a:p>
-            <a:fld id="{F61FBF28-2124-4F67-AC8F-C043FEB54B39}" type="datetimeFigureOut">
+            <a:fld id="{F745070D-E1D2-489C-8B6C-73D45C178098}" type="datetimeFigureOut">
               <a:rPr lang="zh-CN" altLang="en-US" smtClean="0"/>
               <a:t>2024/3/10</a:t>
             </a:fld>
@@ -1962,7 +1962,7 @@
           <p:cNvPr id="4" name="页脚占位符 3">
             <a:extLst>
               <a:ext uri="{FF2B5EF4-FFF2-40B4-BE49-F238E27FC236}">
-                <a16:creationId xmlns:a16="http://schemas.microsoft.com/office/drawing/2014/main" id="{29ABCB54-CCD3-D3E2-AB7C-666F8E24933A}"/>
+                <a16:creationId xmlns:a16="http://schemas.microsoft.com/office/drawing/2014/main" id="{44218D65-E52D-754C-F2C9-BE4C85174D47}"/>
               </a:ext>
             </a:extLst>
           </p:cNvPr>
@@ -1987,7 +1987,7 @@
           <p:cNvPr id="5" name="灯片编号占位符 4">
             <a:extLst>
               <a:ext uri="{FF2B5EF4-FFF2-40B4-BE49-F238E27FC236}">
-                <a16:creationId xmlns:a16="http://schemas.microsoft.com/office/drawing/2014/main" id="{F017F77B-49AA-6B28-D463-984EE5E39146}"/>
+                <a16:creationId xmlns:a16="http://schemas.microsoft.com/office/drawing/2014/main" id="{B6FB5C70-4BC7-616B-000B-97A047B1031D}"/>
               </a:ext>
             </a:extLst>
           </p:cNvPr>
@@ -2003,7 +2003,7 @@
           <a:bodyPr/>
           <a:lstStyle/>
           <a:p>
-            <a:fld id="{AD977C6A-B82C-4257-8275-D9478493DED0}" type="slidenum">
+            <a:fld id="{9DC3257C-A2EC-489A-A14C-115E190283EE}" type="slidenum">
               <a:rPr lang="zh-CN" altLang="en-US" smtClean="0"/>
               <a:t>‹#›</a:t>
             </a:fld>
@@ -2014,7 +2014,7 @@
     </p:spTree>
     <p:extLst>
       <p:ext uri="{BB962C8B-B14F-4D97-AF65-F5344CB8AC3E}">
-        <p14:creationId xmlns:p14="http://schemas.microsoft.com/office/powerpoint/2010/main" val="1038017315"/>
+        <p14:creationId xmlns:p14="http://schemas.microsoft.com/office/powerpoint/2010/main" val="2851008807"/>
       </p:ext>
     </p:extLst>
   </p:cSld>
@@ -2046,7 +2046,7 @@
           <p:cNvPr id="2" name="日期占位符 1">
             <a:extLst>
               <a:ext uri="{FF2B5EF4-FFF2-40B4-BE49-F238E27FC236}">
-                <a16:creationId xmlns:a16="http://schemas.microsoft.com/office/drawing/2014/main" id="{4E70D9BD-C41B-4CD2-1F0F-2FD0D5116FAD}"/>
+                <a16:creationId xmlns:a16="http://schemas.microsoft.com/office/drawing/2014/main" id="{79D3331F-FA3A-8DA4-23AF-34EA0AAACBCE}"/>
               </a:ext>
             </a:extLst>
           </p:cNvPr>
@@ -2062,7 +2062,7 @@
           <a:bodyPr/>
           <a:lstStyle/>
           <a:p>
-            <a:fld id="{F61FBF28-2124-4F67-AC8F-C043FEB54B39}" type="datetimeFigureOut">
+            <a:fld id="{F745070D-E1D2-489C-8B6C-73D45C178098}" type="datetimeFigureOut">
               <a:rPr lang="zh-CN" altLang="en-US" smtClean="0"/>
               <a:t>2024/3/10</a:t>
             </a:fld>
@@ -2075,7 +2075,7 @@
           <p:cNvPr id="3" name="页脚占位符 2">
             <a:extLst>
               <a:ext uri="{FF2B5EF4-FFF2-40B4-BE49-F238E27FC236}">
-                <a16:creationId xmlns:a16="http://schemas.microsoft.com/office/drawing/2014/main" id="{D175CCFA-2C68-E515-78AA-77A0F2150462}"/>
+                <a16:creationId xmlns:a16="http://schemas.microsoft.com/office/drawing/2014/main" id="{8045B152-DCE1-A32D-1A61-3C907DE9410F}"/>
               </a:ext>
             </a:extLst>
           </p:cNvPr>
@@ -2100,7 +2100,7 @@
           <p:cNvPr id="4" name="灯片编号占位符 3">
             <a:extLst>
               <a:ext uri="{FF2B5EF4-FFF2-40B4-BE49-F238E27FC236}">
-                <a16:creationId xmlns:a16="http://schemas.microsoft.com/office/drawing/2014/main" id="{38D45480-1E7A-115B-894D-2F4A57447599}"/>
+                <a16:creationId xmlns:a16="http://schemas.microsoft.com/office/drawing/2014/main" id="{6F0F2FFF-C288-F6A8-04B1-8460152D255F}"/>
               </a:ext>
             </a:extLst>
           </p:cNvPr>
@@ -2116,7 +2116,7 @@
           <a:bodyPr/>
           <a:lstStyle/>
           <a:p>
-            <a:fld id="{AD977C6A-B82C-4257-8275-D9478493DED0}" type="slidenum">
+            <a:fld id="{9DC3257C-A2EC-489A-A14C-115E190283EE}" type="slidenum">
               <a:rPr lang="zh-CN" altLang="en-US" smtClean="0"/>
               <a:t>‹#›</a:t>
             </a:fld>
@@ -2127,7 +2127,7 @@
     </p:spTree>
     <p:extLst>
       <p:ext uri="{BB962C8B-B14F-4D97-AF65-F5344CB8AC3E}">
-        <p14:creationId xmlns:p14="http://schemas.microsoft.com/office/powerpoint/2010/main" val="2192807999"/>
+        <p14:creationId xmlns:p14="http://schemas.microsoft.com/office/powerpoint/2010/main" val="3107947897"/>
       </p:ext>
     </p:extLst>
   </p:cSld>
@@ -2159,7 +2159,7 @@
           <p:cNvPr id="2" name="标题 1">
             <a:extLst>
               <a:ext uri="{FF2B5EF4-FFF2-40B4-BE49-F238E27FC236}">
-                <a16:creationId xmlns:a16="http://schemas.microsoft.com/office/drawing/2014/main" id="{E3229341-A8C6-E6D7-99D7-0B68DC4323BD}"/>
+                <a16:creationId xmlns:a16="http://schemas.microsoft.com/office/drawing/2014/main" id="{7E55E21F-273F-5D63-6D08-8E8988C17192}"/>
               </a:ext>
             </a:extLst>
           </p:cNvPr>
@@ -2196,7 +2196,7 @@
           <p:cNvPr id="3" name="内容占位符 2">
             <a:extLst>
               <a:ext uri="{FF2B5EF4-FFF2-40B4-BE49-F238E27FC236}">
-                <a16:creationId xmlns:a16="http://schemas.microsoft.com/office/drawing/2014/main" id="{07A27FB6-B9C1-1010-6AEE-52E17CAD8F3C}"/>
+                <a16:creationId xmlns:a16="http://schemas.microsoft.com/office/drawing/2014/main" id="{BB5E40FF-54E4-3527-4B80-8AC568CB503A}"/>
               </a:ext>
             </a:extLst>
           </p:cNvPr>
@@ -2286,7 +2286,7 @@
           <p:cNvPr id="4" name="文本占位符 3">
             <a:extLst>
               <a:ext uri="{FF2B5EF4-FFF2-40B4-BE49-F238E27FC236}">
-                <a16:creationId xmlns:a16="http://schemas.microsoft.com/office/drawing/2014/main" id="{B04BD9CA-1618-2363-F0AC-DC5FED4299AA}"/>
+                <a16:creationId xmlns:a16="http://schemas.microsoft.com/office/drawing/2014/main" id="{E2866D68-5A06-E83A-6F1A-EAB22F8EF363}"/>
               </a:ext>
             </a:extLst>
           </p:cNvPr>
@@ -2357,7 +2357,7 @@
           <p:cNvPr id="5" name="日期占位符 4">
             <a:extLst>
               <a:ext uri="{FF2B5EF4-FFF2-40B4-BE49-F238E27FC236}">
-                <a16:creationId xmlns:a16="http://schemas.microsoft.com/office/drawing/2014/main" id="{233663D8-F42E-7AF5-C129-2C0C60035AF9}"/>
+                <a16:creationId xmlns:a16="http://schemas.microsoft.com/office/drawing/2014/main" id="{565CA405-5567-8700-E8AA-2985569623E8}"/>
               </a:ext>
             </a:extLst>
           </p:cNvPr>
@@ -2373,7 +2373,7 @@
           <a:bodyPr/>
           <a:lstStyle/>
           <a:p>
-            <a:fld id="{F61FBF28-2124-4F67-AC8F-C043FEB54B39}" type="datetimeFigureOut">
+            <a:fld id="{F745070D-E1D2-489C-8B6C-73D45C178098}" type="datetimeFigureOut">
               <a:rPr lang="zh-CN" altLang="en-US" smtClean="0"/>
               <a:t>2024/3/10</a:t>
             </a:fld>
@@ -2386,7 +2386,7 @@
           <p:cNvPr id="6" name="页脚占位符 5">
             <a:extLst>
               <a:ext uri="{FF2B5EF4-FFF2-40B4-BE49-F238E27FC236}">
-                <a16:creationId xmlns:a16="http://schemas.microsoft.com/office/drawing/2014/main" id="{E88E33AC-5262-D068-01A3-DE7C3C502FB1}"/>
+                <a16:creationId xmlns:a16="http://schemas.microsoft.com/office/drawing/2014/main" id="{7A1D76AA-7E7E-7A71-E6E6-8476048F1DCD}"/>
               </a:ext>
             </a:extLst>
           </p:cNvPr>
@@ -2411,7 +2411,7 @@
           <p:cNvPr id="7" name="灯片编号占位符 6">
             <a:extLst>
               <a:ext uri="{FF2B5EF4-FFF2-40B4-BE49-F238E27FC236}">
-                <a16:creationId xmlns:a16="http://schemas.microsoft.com/office/drawing/2014/main" id="{737F65D6-FA01-AAF1-3AB8-D4AD93D306AD}"/>
+                <a16:creationId xmlns:a16="http://schemas.microsoft.com/office/drawing/2014/main" id="{C09B5DC9-C701-767B-F61B-A6CD1EA411A6}"/>
               </a:ext>
             </a:extLst>
           </p:cNvPr>
@@ -2427,7 +2427,7 @@
           <a:bodyPr/>
           <a:lstStyle/>
           <a:p>
-            <a:fld id="{AD977C6A-B82C-4257-8275-D9478493DED0}" type="slidenum">
+            <a:fld id="{9DC3257C-A2EC-489A-A14C-115E190283EE}" type="slidenum">
               <a:rPr lang="zh-CN" altLang="en-US" smtClean="0"/>
               <a:t>‹#›</a:t>
             </a:fld>
@@ -2438,7 +2438,7 @@
     </p:spTree>
     <p:extLst>
       <p:ext uri="{BB962C8B-B14F-4D97-AF65-F5344CB8AC3E}">
-        <p14:creationId xmlns:p14="http://schemas.microsoft.com/office/powerpoint/2010/main" val="1955474558"/>
+        <p14:creationId xmlns:p14="http://schemas.microsoft.com/office/powerpoint/2010/main" val="2064430433"/>
       </p:ext>
     </p:extLst>
   </p:cSld>
@@ -2470,7 +2470,7 @@
           <p:cNvPr id="2" name="标题 1">
             <a:extLst>
               <a:ext uri="{FF2B5EF4-FFF2-40B4-BE49-F238E27FC236}">
-                <a16:creationId xmlns:a16="http://schemas.microsoft.com/office/drawing/2014/main" id="{5678ABD2-BBE9-4A4A-792C-6425089997F9}"/>
+                <a16:creationId xmlns:a16="http://schemas.microsoft.com/office/drawing/2014/main" id="{C5718948-47BB-C9B1-3782-D1064BACBC2C}"/>
               </a:ext>
             </a:extLst>
           </p:cNvPr>
@@ -2507,7 +2507,7 @@
           <p:cNvPr id="3" name="图片占位符 2">
             <a:extLst>
               <a:ext uri="{FF2B5EF4-FFF2-40B4-BE49-F238E27FC236}">
-                <a16:creationId xmlns:a16="http://schemas.microsoft.com/office/drawing/2014/main" id="{488D5B58-BD8B-D86B-51A5-244B97E9479F}"/>
+                <a16:creationId xmlns:a16="http://schemas.microsoft.com/office/drawing/2014/main" id="{FF8C92BE-AA83-5246-00BF-823EC16B57C7}"/>
               </a:ext>
             </a:extLst>
           </p:cNvPr>
@@ -2574,7 +2574,7 @@
           <p:cNvPr id="4" name="文本占位符 3">
             <a:extLst>
               <a:ext uri="{FF2B5EF4-FFF2-40B4-BE49-F238E27FC236}">
-                <a16:creationId xmlns:a16="http://schemas.microsoft.com/office/drawing/2014/main" id="{6E3ABF17-96DD-F62C-4D50-73875D431FC3}"/>
+                <a16:creationId xmlns:a16="http://schemas.microsoft.com/office/drawing/2014/main" id="{716044D9-439F-3B0F-E7E3-DA3C0296637D}"/>
               </a:ext>
             </a:extLst>
           </p:cNvPr>
@@ -2645,7 +2645,7 @@
           <p:cNvPr id="5" name="日期占位符 4">
             <a:extLst>
               <a:ext uri="{FF2B5EF4-FFF2-40B4-BE49-F238E27FC236}">
-                <a16:creationId xmlns:a16="http://schemas.microsoft.com/office/drawing/2014/main" id="{51911BDE-1B9A-5BAD-B96A-B2B0775F18C1}"/>
+                <a16:creationId xmlns:a16="http://schemas.microsoft.com/office/drawing/2014/main" id="{EFAB450D-9D5E-64EF-1B3C-DE1A2BAD9446}"/>
               </a:ext>
             </a:extLst>
           </p:cNvPr>
@@ -2661,7 +2661,7 @@
           <a:bodyPr/>
           <a:lstStyle/>
           <a:p>
-            <a:fld id="{F61FBF28-2124-4F67-AC8F-C043FEB54B39}" type="datetimeFigureOut">
+            <a:fld id="{F745070D-E1D2-489C-8B6C-73D45C178098}" type="datetimeFigureOut">
               <a:rPr lang="zh-CN" altLang="en-US" smtClean="0"/>
               <a:t>2024/3/10</a:t>
             </a:fld>
@@ -2674,7 +2674,7 @@
           <p:cNvPr id="6" name="页脚占位符 5">
             <a:extLst>
               <a:ext uri="{FF2B5EF4-FFF2-40B4-BE49-F238E27FC236}">
-                <a16:creationId xmlns:a16="http://schemas.microsoft.com/office/drawing/2014/main" id="{E5AAF9C7-956C-C8B9-5560-8128D33DB2CB}"/>
+                <a16:creationId xmlns:a16="http://schemas.microsoft.com/office/drawing/2014/main" id="{4D376528-8A69-858B-5FCD-BFC92E3B664A}"/>
               </a:ext>
             </a:extLst>
           </p:cNvPr>
@@ -2699,7 +2699,7 @@
           <p:cNvPr id="7" name="灯片编号占位符 6">
             <a:extLst>
               <a:ext uri="{FF2B5EF4-FFF2-40B4-BE49-F238E27FC236}">
-                <a16:creationId xmlns:a16="http://schemas.microsoft.com/office/drawing/2014/main" id="{826438F8-A51E-A33F-3C2C-9AD61EAD1858}"/>
+                <a16:creationId xmlns:a16="http://schemas.microsoft.com/office/drawing/2014/main" id="{D86E14CE-F2F6-8F40-9901-7EB59DB192EC}"/>
               </a:ext>
             </a:extLst>
           </p:cNvPr>
@@ -2715,7 +2715,7 @@
           <a:bodyPr/>
           <a:lstStyle/>
           <a:p>
-            <a:fld id="{AD977C6A-B82C-4257-8275-D9478493DED0}" type="slidenum">
+            <a:fld id="{9DC3257C-A2EC-489A-A14C-115E190283EE}" type="slidenum">
               <a:rPr lang="zh-CN" altLang="en-US" smtClean="0"/>
               <a:t>‹#›</a:t>
             </a:fld>
@@ -2726,7 +2726,7 @@
     </p:spTree>
     <p:extLst>
       <p:ext uri="{BB962C8B-B14F-4D97-AF65-F5344CB8AC3E}">
-        <p14:creationId xmlns:p14="http://schemas.microsoft.com/office/powerpoint/2010/main" val="39470273"/>
+        <p14:creationId xmlns:p14="http://schemas.microsoft.com/office/powerpoint/2010/main" val="4281000089"/>
       </p:ext>
     </p:extLst>
   </p:cSld>
@@ -2763,7 +2763,7 @@
           <p:cNvPr id="2" name="标题占位符 1">
             <a:extLst>
               <a:ext uri="{FF2B5EF4-FFF2-40B4-BE49-F238E27FC236}">
-                <a16:creationId xmlns:a16="http://schemas.microsoft.com/office/drawing/2014/main" id="{35547A85-8640-5177-C8C9-5ACD363BB63E}"/>
+                <a16:creationId xmlns:a16="http://schemas.microsoft.com/office/drawing/2014/main" id="{86B72867-B508-8AA1-A31C-1EF09A0B2EB7}"/>
               </a:ext>
             </a:extLst>
           </p:cNvPr>
@@ -2801,7 +2801,7 @@
           <p:cNvPr id="3" name="文本占位符 2">
             <a:extLst>
               <a:ext uri="{FF2B5EF4-FFF2-40B4-BE49-F238E27FC236}">
-                <a16:creationId xmlns:a16="http://schemas.microsoft.com/office/drawing/2014/main" id="{65756BDE-BEC3-A60F-BC67-BD6A3CE0A87A}"/>
+                <a16:creationId xmlns:a16="http://schemas.microsoft.com/office/drawing/2014/main" id="{354C19CF-ADE0-7DF4-B754-29AD64BCE3E1}"/>
               </a:ext>
             </a:extLst>
           </p:cNvPr>
@@ -2868,7 +2868,7 @@
           <p:cNvPr id="4" name="日期占位符 3">
             <a:extLst>
               <a:ext uri="{FF2B5EF4-FFF2-40B4-BE49-F238E27FC236}">
-                <a16:creationId xmlns:a16="http://schemas.microsoft.com/office/drawing/2014/main" id="{0760EE24-5C9E-3586-D36D-1ED90CC3DB69}"/>
+                <a16:creationId xmlns:a16="http://schemas.microsoft.com/office/drawing/2014/main" id="{1A2A153A-E78D-4E72-E4A2-9C4A49604126}"/>
               </a:ext>
             </a:extLst>
           </p:cNvPr>
@@ -2902,7 +2902,7 @@
             </a:lvl1pPr>
           </a:lstStyle>
           <a:p>
-            <a:fld id="{F61FBF28-2124-4F67-AC8F-C043FEB54B39}" type="datetimeFigureOut">
+            <a:fld id="{F745070D-E1D2-489C-8B6C-73D45C178098}" type="datetimeFigureOut">
               <a:rPr lang="zh-CN" altLang="en-US" smtClean="0"/>
               <a:t>2024/3/10</a:t>
             </a:fld>
@@ -2915,7 +2915,7 @@
           <p:cNvPr id="5" name="页脚占位符 4">
             <a:extLst>
               <a:ext uri="{FF2B5EF4-FFF2-40B4-BE49-F238E27FC236}">
-                <a16:creationId xmlns:a16="http://schemas.microsoft.com/office/drawing/2014/main" id="{FFF24EE8-D248-E111-9569-892B54E2916C}"/>
+                <a16:creationId xmlns:a16="http://schemas.microsoft.com/office/drawing/2014/main" id="{8B141F04-4EEB-B13D-0C9A-6D996C2E8B74}"/>
               </a:ext>
             </a:extLst>
           </p:cNvPr>
@@ -2958,7 +2958,7 @@
           <p:cNvPr id="6" name="灯片编号占位符 5">
             <a:extLst>
               <a:ext uri="{FF2B5EF4-FFF2-40B4-BE49-F238E27FC236}">
-                <a16:creationId xmlns:a16="http://schemas.microsoft.com/office/drawing/2014/main" id="{A48B2ECB-6E49-13B3-B489-A7B0C6B2B44A}"/>
+                <a16:creationId xmlns:a16="http://schemas.microsoft.com/office/drawing/2014/main" id="{23D99CC3-1E65-A2E9-5A5D-31BEC3FFAEB6}"/>
               </a:ext>
             </a:extLst>
           </p:cNvPr>
@@ -2992,7 +2992,7 @@
             </a:lvl1pPr>
           </a:lstStyle>
           <a:p>
-            <a:fld id="{AD977C6A-B82C-4257-8275-D9478493DED0}" type="slidenum">
+            <a:fld id="{9DC3257C-A2EC-489A-A14C-115E190283EE}" type="slidenum">
               <a:rPr lang="zh-CN" altLang="en-US" smtClean="0"/>
               <a:t>‹#›</a:t>
             </a:fld>
@@ -3003,7 +3003,7 @@
     </p:spTree>
     <p:extLst>
       <p:ext uri="{BB962C8B-B14F-4D97-AF65-F5344CB8AC3E}">
-        <p14:creationId xmlns:p14="http://schemas.microsoft.com/office/powerpoint/2010/main" val="3367402277"/>
+        <p14:creationId xmlns:p14="http://schemas.microsoft.com/office/powerpoint/2010/main" val="2316899455"/>
       </p:ext>
     </p:extLst>
   </p:cSld>
@@ -3323,7 +3323,7 @@
       </p:grpSpPr>
       <p:pic>
         <p:nvPicPr>
-          <p:cNvPr id="542722" name="Picture 2" descr="529"/>
+          <p:cNvPr id="543746" name="Picture 2" descr="530"/>
           <p:cNvPicPr>
             <a:picLocks noChangeAspect="1" noChangeArrowheads="1"/>
           </p:cNvPicPr>
@@ -3345,7 +3345,7 @@
         <p:spPr bwMode="auto">
           <a:xfrm>
             <a:off x="1524000" y="0"/>
-            <a:ext cx="9144000" cy="6859588"/>
+            <a:ext cx="9144000" cy="6858000"/>
           </a:xfrm>
           <a:prstGeom prst="rect">
             <a:avLst/>
@@ -3375,11 +3375,158 @@
           </a:extLst>
         </p:spPr>
       </p:pic>
+      <p:pic>
+        <p:nvPicPr>
+          <p:cNvPr id="544771" name="Picture 3" descr="530-2"/>
+          <p:cNvPicPr>
+            <a:picLocks noChangeAspect="1" noChangeArrowheads="1"/>
+          </p:cNvPicPr>
+          <p:nvPr/>
+        </p:nvPicPr>
+        <p:blipFill>
+          <a:blip r:embed="rId3">
+            <a:extLst>
+              <a:ext uri="{28A0092B-C50C-407E-A947-70E740481C1C}">
+                <a14:useLocalDpi xmlns:a14="http://schemas.microsoft.com/office/drawing/2010/main" val="0"/>
+              </a:ext>
+            </a:extLst>
+          </a:blip>
+          <a:srcRect/>
+          <a:stretch>
+            <a:fillRect/>
+          </a:stretch>
+        </p:blipFill>
+        <p:spPr bwMode="auto">
+          <a:xfrm>
+            <a:off x="1524000" y="0"/>
+            <a:ext cx="9144000" cy="6858000"/>
+          </a:xfrm>
+          <a:prstGeom prst="rect">
+            <a:avLst/>
+          </a:prstGeom>
+          <a:noFill/>
+          <a:ln>
+            <a:noFill/>
+          </a:ln>
+          <a:effectLst/>
+          <a:extLst>
+            <a:ext uri="{909E8E84-426E-40DD-AFC4-6F175D3DCCD1}">
+              <a14:hiddenFill xmlns:a14="http://schemas.microsoft.com/office/drawing/2010/main">
+                <a:solidFill>
+                  <a:srgbClr val="FFFFFF"/>
+                </a:solidFill>
+              </a14:hiddenFill>
+            </a:ext>
+            <a:ext uri="{91240B29-F687-4F45-9708-019B960494DF}">
+              <a14:hiddenLine xmlns:a14="http://schemas.microsoft.com/office/drawing/2010/main" w="9525">
+                <a:solidFill>
+                  <a:srgbClr val="000000"/>
+                </a:solidFill>
+                <a:miter lim="800000"/>
+                <a:headEnd/>
+                <a:tailEnd/>
+              </a14:hiddenLine>
+            </a:ext>
+            <a:ext uri="{AF507438-7753-43E0-B8FC-AC1667EBCBE1}">
+              <a14:hiddenEffects xmlns:a14="http://schemas.microsoft.com/office/drawing/2010/main">
+                <a:effectLst>
+                  <a:outerShdw dist="35921" dir="2700000" algn="ctr" rotWithShape="0">
+                    <a:srgbClr val="808080"/>
+                  </a:outerShdw>
+                </a:effectLst>
+              </a14:hiddenEffects>
+            </a:ext>
+          </a:extLst>
+        </p:spPr>
+      </p:pic>
     </p:spTree>
   </p:cSld>
   <p:clrMapOvr>
     <a:masterClrMapping/>
   </p:clrMapOvr>
+  <p:timing>
+    <p:tnLst>
+      <p:par>
+        <p:cTn id="1" dur="indefinite" restart="never" nodeType="tmRoot">
+          <p:childTnLst>
+            <p:seq concurrent="1" nextAc="seek">
+              <p:cTn id="2" dur="indefinite" nodeType="mainSeq">
+                <p:childTnLst>
+                  <p:par>
+                    <p:cTn id="3" fill="hold" nodeType="clickPar">
+                      <p:stCondLst>
+                        <p:cond delay="indefinite"/>
+                      </p:stCondLst>
+                      <p:childTnLst>
+                        <p:par>
+                          <p:cTn id="4" fill="hold" nodeType="withGroup">
+                            <p:stCondLst>
+                              <p:cond delay="0"/>
+                            </p:stCondLst>
+                            <p:childTnLst>
+                              <p:par>
+                                <p:cTn id="5" presetID="10" presetClass="entr" presetSubtype="0" fill="hold" nodeType="clickEffect">
+                                  <p:stCondLst>
+                                    <p:cond delay="0"/>
+                                  </p:stCondLst>
+                                  <p:childTnLst>
+                                    <p:set>
+                                      <p:cBhvr>
+                                        <p:cTn id="6" dur="1" fill="hold">
+                                          <p:stCondLst>
+                                            <p:cond delay="0"/>
+                                          </p:stCondLst>
+                                        </p:cTn>
+                                        <p:tgtEl>
+                                          <p:spTgt spid="544771"/>
+                                        </p:tgtEl>
+                                        <p:attrNameLst>
+                                          <p:attrName>style.visibility</p:attrName>
+                                        </p:attrNameLst>
+                                      </p:cBhvr>
+                                      <p:to>
+                                        <p:strVal val="visible"/>
+                                      </p:to>
+                                    </p:set>
+                                    <p:animEffect transition="in" filter="fade">
+                                      <p:cBhvr>
+                                        <p:cTn id="7" dur="500"/>
+                                        <p:tgtEl>
+                                          <p:spTgt spid="544771"/>
+                                        </p:tgtEl>
+                                      </p:cBhvr>
+                                    </p:animEffect>
+                                  </p:childTnLst>
+                                </p:cTn>
+                              </p:par>
+                            </p:childTnLst>
+                          </p:cTn>
+                        </p:par>
+                      </p:childTnLst>
+                    </p:cTn>
+                  </p:par>
+                </p:childTnLst>
+              </p:cTn>
+              <p:prevCondLst>
+                <p:cond evt="onPrev" delay="0">
+                  <p:tgtEl>
+                    <p:sldTgt/>
+                  </p:tgtEl>
+                </p:cond>
+              </p:prevCondLst>
+              <p:nextCondLst>
+                <p:cond evt="onNext" delay="0">
+                  <p:tgtEl>
+                    <p:sldTgt/>
+                  </p:tgtEl>
+                </p:cond>
+              </p:nextCondLst>
+            </p:seq>
+          </p:childTnLst>
+        </p:cTn>
+      </p:par>
+    </p:tnLst>
+  </p:timing>
 </p:sld>
 </file>
 
